--- a/workshop.pptx
+++ b/workshop.pptx
@@ -212,7 +212,7 @@
           <a:p>
             <a:fld id="{F99650B8-9DC1-40B5-A3EE-6540A804981A}" type="datetimeFigureOut">
               <a:rPr lang="de-DE" smtClean="0"/>
-              <a:t>26.06.19</a:t>
+              <a:t>27.06.19</a:t>
             </a:fld>
             <a:endParaRPr lang="de-DE"/>
           </a:p>
@@ -4358,7 +4358,7 @@
         <p:spPr>
           <a:xfrm>
             <a:off x="597777" y="1432344"/>
-            <a:ext cx="11142774" cy="1477328"/>
+            <a:ext cx="11142774" cy="1354217"/>
           </a:xfrm>
           <a:prstGeom prst="rect">
             <a:avLst/>
@@ -4406,40 +4406,82 @@
               <a:buChar char="-"/>
             </a:pPr>
             <a:r>
-              <a:rPr lang="en-US" sz="3000" dirty="0">
+              <a:rPr lang="en-US" sz="2200" dirty="0" err="1">
                 <a:solidFill>
                   <a:schemeClr val="accent4">
                     <a:lumMod val="60000"/>
                     <a:lumOff val="40000"/>
                   </a:schemeClr>
                 </a:solidFill>
-                <a:latin typeface="+mj-lt"/>
+                <a:latin typeface="Courier New" panose="02070309020205020404" pitchFamily="49" charset="0"/>
+                <a:cs typeface="Courier New" panose="02070309020205020404" pitchFamily="49" charset="0"/>
               </a:rPr>
-              <a:t>You may use “:</a:t>
-            </a:r>
-            <a:r>
-              <a:rPr lang="en-US" sz="3000" dirty="0" err="1">
+              <a:t>proxy.newPointStyle</a:t>
+            </a:r>
+            <a:r>
+              <a:rPr lang="en-US" sz="2200" dirty="0">
                 <a:solidFill>
                   <a:schemeClr val="accent4">
                     <a:lumMod val="60000"/>
                     <a:lumOff val="40000"/>
                   </a:schemeClr>
                 </a:solidFill>
-                <a:latin typeface="+mj-lt"/>
+                <a:latin typeface="Courier New" panose="02070309020205020404" pitchFamily="49" charset="0"/>
+                <a:cs typeface="Courier New" panose="02070309020205020404" pitchFamily="49" charset="0"/>
               </a:rPr>
-              <a:t>bookmark.png</a:t>
-            </a:r>
-            <a:r>
-              <a:rPr lang="en-US" sz="3000" dirty="0">
+              <a:t>(</a:t>
+            </a:r>
+            <a:r>
+              <a:rPr lang="en-US" sz="2200" dirty="0" err="1">
                 <a:solidFill>
                   <a:schemeClr val="accent4">
                     <a:lumMod val="60000"/>
                     <a:lumOff val="40000"/>
                   </a:schemeClr>
                 </a:solidFill>
-                <a:latin typeface="+mj-lt"/>
+                <a:latin typeface="Courier New" panose="02070309020205020404" pitchFamily="49" charset="0"/>
+                <a:cs typeface="Courier New" panose="02070309020205020404" pitchFamily="49" charset="0"/>
               </a:rPr>
-              <a:t>”</a:t>
+              <a:t>QString</a:t>
+            </a:r>
+            <a:r>
+              <a:rPr lang="en-US" sz="2200" dirty="0">
+                <a:solidFill>
+                  <a:schemeClr val="accent4">
+                    <a:lumMod val="60000"/>
+                    <a:lumOff val="40000"/>
+                  </a:schemeClr>
+                </a:solidFill>
+                <a:latin typeface="Courier New" panose="02070309020205020404" pitchFamily="49" charset="0"/>
+                <a:cs typeface="Courier New" panose="02070309020205020404" pitchFamily="49" charset="0"/>
+              </a:rPr>
+              <a:t>(":/</a:t>
+            </a:r>
+            <a:r>
+              <a:rPr lang="en-US" sz="2200" dirty="0" err="1">
+                <a:solidFill>
+                  <a:schemeClr val="accent4">
+                    <a:lumMod val="60000"/>
+                    <a:lumOff val="40000"/>
+                  </a:schemeClr>
+                </a:solidFill>
+                <a:latin typeface="Courier New" panose="02070309020205020404" pitchFamily="49" charset="0"/>
+                <a:cs typeface="Courier New" panose="02070309020205020404" pitchFamily="49" charset="0"/>
+              </a:rPr>
+              <a:t>bookmark.png</a:t>
+            </a:r>
+            <a:r>
+              <a:rPr lang="en-US" sz="2200" dirty="0">
+                <a:solidFill>
+                  <a:schemeClr val="accent4">
+                    <a:lumMod val="60000"/>
+                    <a:lumOff val="40000"/>
+                  </a:schemeClr>
+                </a:solidFill>
+                <a:latin typeface="Courier New" panose="02070309020205020404" pitchFamily="49" charset="0"/>
+                <a:cs typeface="Courier New" panose="02070309020205020404" pitchFamily="49" charset="0"/>
+              </a:rPr>
+              <a:t>"), 1., 32.);</a:t>
             </a:r>
           </a:p>
           <a:p>
@@ -4744,7 +4786,8 @@
                 <a:solidFill>
                   <a:srgbClr val="92D050"/>
                 </a:solidFill>
-                <a:latin typeface="Courier" pitchFamily="2" charset="0"/>
+                <a:latin typeface="Courier New" panose="02070309020205020404" pitchFamily="49" charset="0"/>
+                <a:cs typeface="Courier New" panose="02070309020205020404" pitchFamily="49" charset="0"/>
               </a:rPr>
               <a:t>attribsRequested</a:t>
             </a:r>
@@ -4753,7 +4796,8 @@
                 <a:solidFill>
                   <a:srgbClr val="92D050"/>
                 </a:solidFill>
-                <a:latin typeface="Courier" pitchFamily="2" charset="0"/>
+                <a:latin typeface="Courier New" panose="02070309020205020404" pitchFamily="49" charset="0"/>
+                <a:cs typeface="Courier New" panose="02070309020205020404" pitchFamily="49" charset="0"/>
               </a:rPr>
               <a:t>()</a:t>
             </a:r>
@@ -4801,7 +4845,8 @@
                 <a:solidFill>
                   <a:srgbClr val="92D050"/>
                 </a:solidFill>
-                <a:latin typeface="Courier" pitchFamily="2" charset="0"/>
+                <a:latin typeface="Courier New" panose="02070309020205020404" pitchFamily="49" charset="0"/>
+                <a:cs typeface="Courier New" panose="02070309020205020404" pitchFamily="49" charset="0"/>
               </a:rPr>
               <a:t>newAttributePanel</a:t>
             </a:r>
@@ -4810,7 +4855,8 @@
                 <a:solidFill>
                   <a:srgbClr val="92D050"/>
                 </a:solidFill>
-                <a:latin typeface="Courier" pitchFamily="2" charset="0"/>
+                <a:latin typeface="Courier New" panose="02070309020205020404" pitchFamily="49" charset="0"/>
+                <a:cs typeface="Courier New" panose="02070309020205020404" pitchFamily="49" charset="0"/>
               </a:rPr>
               <a:t>()</a:t>
             </a:r>
@@ -4834,7 +4880,8 @@
                 <a:solidFill>
                   <a:srgbClr val="92D050"/>
                 </a:solidFill>
-                <a:latin typeface="Courier" pitchFamily="2" charset="0"/>
+                <a:latin typeface="Courier New" panose="02070309020205020404" pitchFamily="49" charset="0"/>
+                <a:cs typeface="Courier New" panose="02070309020205020404" pitchFamily="49" charset="0"/>
               </a:rPr>
               <a:t>→ </a:t>
             </a:r>
@@ -4843,7 +4890,8 @@
                 <a:solidFill>
                   <a:srgbClr val="92D050"/>
                 </a:solidFill>
-                <a:latin typeface="Courier" pitchFamily="2" charset="0"/>
+                <a:latin typeface="Courier New" panose="02070309020205020404" pitchFamily="49" charset="0"/>
+                <a:cs typeface="Courier New" panose="02070309020205020404" pitchFamily="49" charset="0"/>
               </a:rPr>
               <a:t>addAttrib</a:t>
             </a:r>
@@ -4852,7 +4900,8 @@
                 <a:solidFill>
                   <a:srgbClr val="92D050"/>
                 </a:solidFill>
-                <a:latin typeface="Courier" pitchFamily="2" charset="0"/>
+                <a:latin typeface="Courier New" panose="02070309020205020404" pitchFamily="49" charset="0"/>
+                <a:cs typeface="Courier New" panose="02070309020205020404" pitchFamily="49" charset="0"/>
               </a:rPr>
               <a:t>(</a:t>
             </a:r>
@@ -4861,7 +4910,8 @@
                 <a:solidFill>
                   <a:srgbClr val="92D050"/>
                 </a:solidFill>
-                <a:latin typeface="Courier" pitchFamily="2" charset="0"/>
+                <a:latin typeface="Courier New" panose="02070309020205020404" pitchFamily="49" charset="0"/>
+                <a:cs typeface="Courier New" panose="02070309020205020404" pitchFamily="49" charset="0"/>
               </a:rPr>
               <a:t>QString</a:t>
             </a:r>
@@ -4870,7 +4920,8 @@
                 <a:solidFill>
                   <a:srgbClr val="92D050"/>
                 </a:solidFill>
-                <a:latin typeface="Courier" pitchFamily="2" charset="0"/>
+                <a:latin typeface="Courier New" panose="02070309020205020404" pitchFamily="49" charset="0"/>
+                <a:cs typeface="Courier New" panose="02070309020205020404" pitchFamily="49" charset="0"/>
               </a:rPr>
               <a:t> const&amp; name, </a:t>
             </a:r>
@@ -4879,7 +4930,8 @@
                 <a:solidFill>
                   <a:srgbClr val="92D050"/>
                 </a:solidFill>
-                <a:latin typeface="Courier" pitchFamily="2" charset="0"/>
+                <a:latin typeface="Courier New" panose="02070309020205020404" pitchFamily="49" charset="0"/>
+                <a:cs typeface="Courier New" panose="02070309020205020404" pitchFamily="49" charset="0"/>
               </a:rPr>
               <a:t>QVariant</a:t>
             </a:r>
@@ -4888,7 +4940,8 @@
                 <a:solidFill>
                   <a:srgbClr val="92D050"/>
                 </a:solidFill>
-                <a:latin typeface="Courier" pitchFamily="2" charset="0"/>
+                <a:latin typeface="Courier New" panose="02070309020205020404" pitchFamily="49" charset="0"/>
+                <a:cs typeface="Courier New" panose="02070309020205020404" pitchFamily="49" charset="0"/>
               </a:rPr>
               <a:t> const&amp; </a:t>
             </a:r>
@@ -4897,7 +4950,8 @@
                 <a:solidFill>
                   <a:srgbClr val="92D050"/>
                 </a:solidFill>
-                <a:latin typeface="Courier" pitchFamily="2" charset="0"/>
+                <a:latin typeface="Courier New" panose="02070309020205020404" pitchFamily="49" charset="0"/>
+                <a:cs typeface="Courier New" panose="02070309020205020404" pitchFamily="49" charset="0"/>
               </a:rPr>
               <a:t>val</a:t>
             </a:r>
@@ -4906,7 +4960,8 @@
                 <a:solidFill>
                   <a:srgbClr val="92D050"/>
                 </a:solidFill>
-                <a:latin typeface="Courier" pitchFamily="2" charset="0"/>
+                <a:latin typeface="Courier New" panose="02070309020205020404" pitchFamily="49" charset="0"/>
+                <a:cs typeface="Courier New" panose="02070309020205020404" pitchFamily="49" charset="0"/>
               </a:rPr>
               <a:t>)</a:t>
             </a:r>
@@ -4942,7 +4997,8 @@
                 <a:solidFill>
                   <a:srgbClr val="92D050"/>
                 </a:solidFill>
-                <a:latin typeface="Courier" pitchFamily="2" charset="0"/>
+                <a:latin typeface="Courier New" panose="02070309020205020404" pitchFamily="49" charset="0"/>
+                <a:cs typeface="Courier New" panose="02070309020205020404" pitchFamily="49" charset="0"/>
               </a:rPr>
               <a:t>→ commit(</a:t>
             </a:r>
@@ -4951,7 +5007,8 @@
                 <a:solidFill>
                   <a:srgbClr val="92D050"/>
                 </a:solidFill>
-                <a:latin typeface="Courier" pitchFamily="2" charset="0"/>
+                <a:latin typeface="Courier New" panose="02070309020205020404" pitchFamily="49" charset="0"/>
+                <a:cs typeface="Courier New" panose="02070309020205020404" pitchFamily="49" charset="0"/>
               </a:rPr>
               <a:t>VisualElementId</a:t>
             </a:r>
@@ -4960,7 +5017,8 @@
                 <a:solidFill>
                   <a:srgbClr val="92D050"/>
                 </a:solidFill>
-                <a:latin typeface="Courier" pitchFamily="2" charset="0"/>
+                <a:latin typeface="Courier New" panose="02070309020205020404" pitchFamily="49" charset="0"/>
+                <a:cs typeface="Courier New" panose="02070309020205020404" pitchFamily="49" charset="0"/>
               </a:rPr>
               <a:t> </a:t>
             </a:r>
@@ -4969,7 +5027,8 @@
                 <a:solidFill>
                   <a:srgbClr val="92D050"/>
                 </a:solidFill>
-                <a:latin typeface="Courier" pitchFamily="2" charset="0"/>
+                <a:latin typeface="Courier New" panose="02070309020205020404" pitchFamily="49" charset="0"/>
+                <a:cs typeface="Courier New" panose="02070309020205020404" pitchFamily="49" charset="0"/>
               </a:rPr>
               <a:t>elementId</a:t>
             </a:r>
@@ -4978,7 +5037,8 @@
                 <a:solidFill>
                   <a:srgbClr val="92D050"/>
                 </a:solidFill>
-                <a:latin typeface="Courier" pitchFamily="2" charset="0"/>
+                <a:latin typeface="Courier New" panose="02070309020205020404" pitchFamily="49" charset="0"/>
+                <a:cs typeface="Courier New" panose="02070309020205020404" pitchFamily="49" charset="0"/>
               </a:rPr>
               <a:t>, int </a:t>
             </a:r>
@@ -4987,7 +5047,8 @@
                 <a:solidFill>
                   <a:srgbClr val="92D050"/>
                 </a:solidFill>
-                <a:latin typeface="Courier" pitchFamily="2" charset="0"/>
+                <a:latin typeface="Courier New" panose="02070309020205020404" pitchFamily="49" charset="0"/>
+                <a:cs typeface="Courier New" panose="02070309020205020404" pitchFamily="49" charset="0"/>
               </a:rPr>
               <a:t>panelIndex</a:t>
             </a:r>
@@ -4996,12 +5057,14 @@
                 <a:solidFill>
                   <a:srgbClr val="92D050"/>
                 </a:solidFill>
-                <a:latin typeface="Courier" pitchFamily="2" charset="0"/>
+                <a:latin typeface="Courier New" panose="02070309020205020404" pitchFamily="49" charset="0"/>
+                <a:cs typeface="Courier New" panose="02070309020205020404" pitchFamily="49" charset="0"/>
               </a:rPr>
               <a:t>)</a:t>
             </a:r>
             <a:endParaRPr lang="en-US" sz="3000" dirty="0">
-              <a:latin typeface="+mj-lt"/>
+              <a:latin typeface="Courier New" panose="02070309020205020404" pitchFamily="49" charset="0"/>
+              <a:cs typeface="Courier New" panose="02070309020205020404" pitchFamily="49" charset="0"/>
             </a:endParaRPr>
           </a:p>
           <a:p>
@@ -5200,7 +5263,8 @@
                 <a:solidFill>
                   <a:srgbClr val="92D050"/>
                 </a:solidFill>
-                <a:latin typeface="Courier" pitchFamily="2" charset="0"/>
+                <a:latin typeface="Courier New" panose="02070309020205020404" pitchFamily="49" charset="0"/>
+                <a:cs typeface="Courier New" panose="02070309020205020404" pitchFamily="49" charset="0"/>
               </a:rPr>
               <a:t>userOptions.addSearchAction</a:t>
             </a:r>
@@ -5209,7 +5273,8 @@
                 <a:solidFill>
                   <a:srgbClr val="92D050"/>
                 </a:solidFill>
-                <a:latin typeface="Courier" pitchFamily="2" charset="0"/>
+                <a:latin typeface="Courier New" panose="02070309020205020404" pitchFamily="49" charset="0"/>
+                <a:cs typeface="Courier New" panose="02070309020205020404" pitchFamily="49" charset="0"/>
               </a:rPr>
               <a:t>(…)</a:t>
             </a:r>
@@ -5266,7 +5331,8 @@
                 <a:solidFill>
                   <a:srgbClr val="92D050"/>
                 </a:solidFill>
-                <a:latin typeface="Courier" pitchFamily="2" charset="0"/>
+                <a:latin typeface="Courier New" panose="02070309020205020404" pitchFamily="49" charset="0"/>
+                <a:cs typeface="Courier New" panose="02070309020205020404" pitchFamily="49" charset="0"/>
               </a:rPr>
               <a:t>onSearchActionRequested</a:t>
             </a:r>
@@ -5275,7 +5341,8 @@
                 <a:solidFill>
                   <a:srgbClr val="92D050"/>
                 </a:solidFill>
-                <a:latin typeface="Courier" pitchFamily="2" charset="0"/>
+                <a:latin typeface="Courier New" panose="02070309020205020404" pitchFamily="49" charset="0"/>
+                <a:cs typeface="Courier New" panose="02070309020205020404" pitchFamily="49" charset="0"/>
               </a:rPr>
               <a:t>()</a:t>
             </a:r>
@@ -5308,7 +5375,8 @@
                 <a:solidFill>
                   <a:srgbClr val="92D050"/>
                 </a:solidFill>
-                <a:latin typeface="Courier" pitchFamily="2" charset="0"/>
+                <a:latin typeface="Courier New" panose="02070309020205020404" pitchFamily="49" charset="0"/>
+                <a:cs typeface="Courier New" panose="02070309020205020404" pitchFamily="49" charset="0"/>
               </a:rPr>
               <a:t>onSearchActionTerminated</a:t>
             </a:r>
@@ -5317,7 +5385,8 @@
                 <a:solidFill>
                   <a:srgbClr val="92D050"/>
                 </a:solidFill>
-                <a:latin typeface="Courier" pitchFamily="2" charset="0"/>
+                <a:latin typeface="Courier New" panose="02070309020205020404" pitchFamily="49" charset="0"/>
+                <a:cs typeface="Courier New" panose="02070309020205020404" pitchFamily="49" charset="0"/>
               </a:rPr>
               <a:t>()</a:t>
             </a:r>
@@ -5602,7 +5671,7 @@
                   </a:schemeClr>
                 </a:solidFill>
               </a:rPr>
-              <a:t>Trick Sharing</a:t>
+              <a:t>Trick Sharing (Setup, Docs …)</a:t>
             </a:r>
           </a:p>
           <a:p>
@@ -5721,7 +5790,7 @@
           <a:p>
             <a:r>
               <a:rPr lang="en-US" dirty="0"/>
-              <a:t>Total: ~1-2h</a:t>
+              <a:t>Total: ~1.5-2h</a:t>
             </a:r>
           </a:p>
         </p:txBody>
@@ -25038,21 +25107,6 @@
 </file>
 
 <file path=customXml/item1.xml><?xml version="1.0" encoding="utf-8"?>
-<?mso-contentType ?>
-<FormTemplates xmlns="http://schemas.microsoft.com/sharepoint/v3/contenttype/forms">
-  <Display>DocumentLibraryForm</Display>
-  <Edit>DocumentLibraryForm</Edit>
-  <New>DocumentLibraryForm</New>
-</FormTemplates>
-</file>
-
-<file path=customXml/item2.xml><?xml version="1.0" encoding="utf-8"?>
-<p:properties xmlns:p="http://schemas.microsoft.com/office/2006/metadata/properties" xmlns:xsi="http://www.w3.org/2001/XMLSchema-instance" xmlns:pc="http://schemas.microsoft.com/office/infopath/2007/PartnerControls">
-  <documentManagement/>
-</p:properties>
-</file>
-
-<file path=customXml/item3.xml><?xml version="1.0" encoding="utf-8"?>
 <ct:contentTypeSchema xmlns:ct="http://schemas.microsoft.com/office/2006/metadata/contentType" xmlns:ma="http://schemas.microsoft.com/office/2006/metadata/properties/metaAttributes" ct:_="" ma:_="" ma:contentTypeName="Dokument" ma:contentTypeID="0x010100DB6B4784EE2CC14495238B72D8E16F0C" ma:contentTypeVersion="5" ma:contentTypeDescription="Ein neues Dokument erstellen." ma:contentTypeScope="" ma:versionID="1d6be76f33c8b43a5f9d2983c0aaa194">
   <xsd:schema xmlns:xsd="http://www.w3.org/2001/XMLSchema" xmlns:xs="http://www.w3.org/2001/XMLSchema" xmlns:p="http://schemas.microsoft.com/office/2006/metadata/properties" xmlns:ns2="645529a5-4964-4230-9d79-a13b9079ada4" targetNamespace="http://schemas.microsoft.com/office/2006/metadata/properties" ma:root="true" ma:fieldsID="949e627d990f094e6a6bb2f527e7eb49" ns2:_="">
     <xsd:import namespace="645529a5-4964-4230-9d79-a13b9079ada4"/>
@@ -25204,10 +25258,35 @@
 </ct:contentTypeSchema>
 </file>
 
+<file path=customXml/item2.xml><?xml version="1.0" encoding="utf-8"?>
+<p:properties xmlns:p="http://schemas.microsoft.com/office/2006/metadata/properties" xmlns:xsi="http://www.w3.org/2001/XMLSchema-instance" xmlns:pc="http://schemas.microsoft.com/office/infopath/2007/PartnerControls">
+  <documentManagement/>
+</p:properties>
+</file>
+
+<file path=customXml/item3.xml><?xml version="1.0" encoding="utf-8"?>
+<?mso-contentType ?>
+<FormTemplates xmlns="http://schemas.microsoft.com/sharepoint/v3/contenttype/forms">
+  <Display>DocumentLibraryForm</Display>
+  <Edit>DocumentLibraryForm</Edit>
+  <New>DocumentLibraryForm</New>
+</FormTemplates>
+</file>
+
 <file path=customXml/itemProps1.xml><?xml version="1.0" encoding="utf-8"?>
-<ds:datastoreItem xmlns:ds="http://schemas.openxmlformats.org/officeDocument/2006/customXml" ds:itemID="{C0D70957-9A21-4CC1-97C8-A7FE056C1A26}">
+<ds:datastoreItem xmlns:ds="http://schemas.openxmlformats.org/officeDocument/2006/customXml" ds:itemID="{22FBAF85-DEF8-4B4B-9BA4-6C628C6CF8CA}">
   <ds:schemaRefs>
-    <ds:schemaRef ds:uri="http://schemas.microsoft.com/sharepoint/v3/contenttype/forms"/>
+    <ds:schemaRef ds:uri="http://schemas.microsoft.com/office/2006/metadata/contentType"/>
+    <ds:schemaRef ds:uri="http://schemas.microsoft.com/office/2006/metadata/properties/metaAttributes"/>
+    <ds:schemaRef ds:uri="http://www.w3.org/2001/XMLSchema"/>
+    <ds:schemaRef ds:uri="http://schemas.microsoft.com/office/2006/metadata/properties"/>
+    <ds:schemaRef ds:uri="645529a5-4964-4230-9d79-a13b9079ada4"/>
+    <ds:schemaRef ds:uri="http://schemas.microsoft.com/office/2006/documentManagement/types"/>
+    <ds:schemaRef ds:uri="http://schemas.microsoft.com/office/infopath/2007/PartnerControls"/>
+    <ds:schemaRef ds:uri="http://schemas.openxmlformats.org/package/2006/metadata/core-properties"/>
+    <ds:schemaRef ds:uri="http://purl.org/dc/elements/1.1/"/>
+    <ds:schemaRef ds:uri="http://purl.org/dc/terms/"/>
+    <ds:schemaRef ds:uri="http://schemas.microsoft.com/internal/obd"/>
   </ds:schemaRefs>
 </ds:datastoreItem>
 </file>
@@ -25229,19 +25308,9 @@
 </file>
 
 <file path=customXml/itemProps3.xml><?xml version="1.0" encoding="utf-8"?>
-<ds:datastoreItem xmlns:ds="http://schemas.openxmlformats.org/officeDocument/2006/customXml" ds:itemID="{22FBAF85-DEF8-4B4B-9BA4-6C628C6CF8CA}">
+<ds:datastoreItem xmlns:ds="http://schemas.openxmlformats.org/officeDocument/2006/customXml" ds:itemID="{C0D70957-9A21-4CC1-97C8-A7FE056C1A26}">
   <ds:schemaRefs>
-    <ds:schemaRef ds:uri="http://schemas.microsoft.com/office/2006/metadata/contentType"/>
-    <ds:schemaRef ds:uri="http://schemas.microsoft.com/office/2006/metadata/properties/metaAttributes"/>
-    <ds:schemaRef ds:uri="http://www.w3.org/2001/XMLSchema"/>
-    <ds:schemaRef ds:uri="http://schemas.microsoft.com/office/2006/metadata/properties"/>
-    <ds:schemaRef ds:uri="645529a5-4964-4230-9d79-a13b9079ada4"/>
-    <ds:schemaRef ds:uri="http://schemas.microsoft.com/office/2006/documentManagement/types"/>
-    <ds:schemaRef ds:uri="http://schemas.microsoft.com/office/infopath/2007/PartnerControls"/>
-    <ds:schemaRef ds:uri="http://schemas.openxmlformats.org/package/2006/metadata/core-properties"/>
-    <ds:schemaRef ds:uri="http://purl.org/dc/elements/1.1/"/>
-    <ds:schemaRef ds:uri="http://purl.org/dc/terms/"/>
-    <ds:schemaRef ds:uri="http://schemas.microsoft.com/internal/obd"/>
+    <ds:schemaRef ds:uri="http://schemas.microsoft.com/sharepoint/v3/contenttype/forms"/>
   </ds:schemaRefs>
 </ds:datastoreItem>
 </file>